--- a/Paper for Buddy Memory Allocation/fig.pptx
+++ b/Paper for Buddy Memory Allocation/fig.pptx
@@ -7,6 +7,7 @@
   <p:sldIdLst>
     <p:sldId id="256" r:id="rId2"/>
     <p:sldId id="258" r:id="rId3"/>
+    <p:sldId id="259" r:id="rId4"/>
   </p:sldIdLst>
   <p:sldSz cx="12192000" cy="6858000"/>
   <p:notesSz cx="6858000" cy="9144000"/>
@@ -244,7 +245,7 @@
           <a:p>
             <a:fld id="{F1DEC1FD-F1E0-407C-AC5C-D83409521057}" type="datetimeFigureOut">
               <a:rPr lang="en-US" smtClean="0"/>
-              <a:t>4/9/2019</a:t>
+              <a:t>4/10/2019</a:t>
             </a:fld>
             <a:endParaRPr lang="en-US"/>
           </a:p>
@@ -414,7 +415,7 @@
           <a:p>
             <a:fld id="{F1DEC1FD-F1E0-407C-AC5C-D83409521057}" type="datetimeFigureOut">
               <a:rPr lang="en-US" smtClean="0"/>
-              <a:t>4/9/2019</a:t>
+              <a:t>4/10/2019</a:t>
             </a:fld>
             <a:endParaRPr lang="en-US"/>
           </a:p>
@@ -594,7 +595,7 @@
           <a:p>
             <a:fld id="{F1DEC1FD-F1E0-407C-AC5C-D83409521057}" type="datetimeFigureOut">
               <a:rPr lang="en-US" smtClean="0"/>
-              <a:t>4/9/2019</a:t>
+              <a:t>4/10/2019</a:t>
             </a:fld>
             <a:endParaRPr lang="en-US"/>
           </a:p>
@@ -764,7 +765,7 @@
           <a:p>
             <a:fld id="{F1DEC1FD-F1E0-407C-AC5C-D83409521057}" type="datetimeFigureOut">
               <a:rPr lang="en-US" smtClean="0"/>
-              <a:t>4/9/2019</a:t>
+              <a:t>4/10/2019</a:t>
             </a:fld>
             <a:endParaRPr lang="en-US"/>
           </a:p>
@@ -1010,7 +1011,7 @@
           <a:p>
             <a:fld id="{F1DEC1FD-F1E0-407C-AC5C-D83409521057}" type="datetimeFigureOut">
               <a:rPr lang="en-US" smtClean="0"/>
-              <a:t>4/9/2019</a:t>
+              <a:t>4/10/2019</a:t>
             </a:fld>
             <a:endParaRPr lang="en-US"/>
           </a:p>
@@ -1242,7 +1243,7 @@
           <a:p>
             <a:fld id="{F1DEC1FD-F1E0-407C-AC5C-D83409521057}" type="datetimeFigureOut">
               <a:rPr lang="en-US" smtClean="0"/>
-              <a:t>4/9/2019</a:t>
+              <a:t>4/10/2019</a:t>
             </a:fld>
             <a:endParaRPr lang="en-US"/>
           </a:p>
@@ -1609,7 +1610,7 @@
           <a:p>
             <a:fld id="{F1DEC1FD-F1E0-407C-AC5C-D83409521057}" type="datetimeFigureOut">
               <a:rPr lang="en-US" smtClean="0"/>
-              <a:t>4/9/2019</a:t>
+              <a:t>4/10/2019</a:t>
             </a:fld>
             <a:endParaRPr lang="en-US"/>
           </a:p>
@@ -1727,7 +1728,7 @@
           <a:p>
             <a:fld id="{F1DEC1FD-F1E0-407C-AC5C-D83409521057}" type="datetimeFigureOut">
               <a:rPr lang="en-US" smtClean="0"/>
-              <a:t>4/9/2019</a:t>
+              <a:t>4/10/2019</a:t>
             </a:fld>
             <a:endParaRPr lang="en-US"/>
           </a:p>
@@ -1822,7 +1823,7 @@
           <a:p>
             <a:fld id="{F1DEC1FD-F1E0-407C-AC5C-D83409521057}" type="datetimeFigureOut">
               <a:rPr lang="en-US" smtClean="0"/>
-              <a:t>4/9/2019</a:t>
+              <a:t>4/10/2019</a:t>
             </a:fld>
             <a:endParaRPr lang="en-US"/>
           </a:p>
@@ -2099,7 +2100,7 @@
           <a:p>
             <a:fld id="{F1DEC1FD-F1E0-407C-AC5C-D83409521057}" type="datetimeFigureOut">
               <a:rPr lang="en-US" smtClean="0"/>
-              <a:t>4/9/2019</a:t>
+              <a:t>4/10/2019</a:t>
             </a:fld>
             <a:endParaRPr lang="en-US"/>
           </a:p>
@@ -2352,7 +2353,7 @@
           <a:p>
             <a:fld id="{F1DEC1FD-F1E0-407C-AC5C-D83409521057}" type="datetimeFigureOut">
               <a:rPr lang="en-US" smtClean="0"/>
-              <a:t>4/9/2019</a:t>
+              <a:t>4/10/2019</a:t>
             </a:fld>
             <a:endParaRPr lang="en-US"/>
           </a:p>
@@ -2565,7 +2566,7 @@
           <a:p>
             <a:fld id="{F1DEC1FD-F1E0-407C-AC5C-D83409521057}" type="datetimeFigureOut">
               <a:rPr lang="en-US" smtClean="0"/>
-              <a:t>4/9/2019</a:t>
+              <a:t>4/10/2019</a:t>
             </a:fld>
             <a:endParaRPr lang="en-US"/>
           </a:p>
@@ -3131,11 +3132,7 @@
             <a:pPr algn="ctr"/>
             <a:r>
               <a:rPr lang="en-US" altLang="zh-CN" sz="1400" dirty="0" smtClean="0"/>
-              <a:t>the r</a:t>
-            </a:r>
-            <a:r>
-              <a:rPr lang="en-US" altLang="zh-CN" sz="1400" dirty="0" smtClean="0"/>
-              <a:t>equest </a:t>
+              <a:t>the request </a:t>
             </a:r>
             <a:r>
               <a:rPr lang="en-US" sz="1400" dirty="0" smtClean="0"/>
@@ -4885,7 +4882,6 @@
                   <a:rPr lang="en-US" altLang="zh-CN" sz="1100" dirty="0" smtClean="0"/>
                   <a:t>ALLOC</a:t>
                 </a:r>
-                <a:endParaRPr lang="en-US" altLang="zh-CN" sz="1100" dirty="0" smtClean="0"/>
               </a:p>
               <a:p>
                 <a:pPr algn="ctr"/>
@@ -6992,7 +6988,6 @@
                   <a:rPr lang="en-US" altLang="zh-CN" sz="1100" dirty="0" smtClean="0"/>
                   <a:t>FREE</a:t>
                 </a:r>
-                <a:endParaRPr lang="en-US" altLang="zh-CN" sz="1100" dirty="0" smtClean="0"/>
               </a:p>
               <a:p>
                 <a:pPr algn="ctr"/>
@@ -7322,6 +7317,2363 @@
 </p:sld>
 </file>
 
+<file path=ppt/slides/slide3.xml><?xml version="1.0" encoding="utf-8"?>
+<p:sld xmlns:a="http://schemas.openxmlformats.org/drawingml/2006/main" xmlns:r="http://schemas.openxmlformats.org/officeDocument/2006/relationships" xmlns:p="http://schemas.openxmlformats.org/presentationml/2006/main">
+  <p:cSld>
+    <p:spTree>
+      <p:nvGrpSpPr>
+        <p:cNvPr id="1" name=""/>
+        <p:cNvGrpSpPr/>
+        <p:nvPr/>
+      </p:nvGrpSpPr>
+      <p:grpSpPr>
+        <a:xfrm>
+          <a:off x="0" y="0"/>
+          <a:ext cx="0" cy="0"/>
+          <a:chOff x="0" y="0"/>
+          <a:chExt cx="0" cy="0"/>
+        </a:xfrm>
+      </p:grpSpPr>
+      <p:grpSp>
+        <p:nvGrpSpPr>
+          <p:cNvPr id="42" name="Group 41"/>
+          <p:cNvGrpSpPr/>
+          <p:nvPr/>
+        </p:nvGrpSpPr>
+        <p:grpSpPr>
+          <a:xfrm>
+            <a:off x="2571698" y="1456012"/>
+            <a:ext cx="4316930" cy="2866287"/>
+            <a:chOff x="3603329" y="1456012"/>
+            <a:chExt cx="4316930" cy="2866287"/>
+          </a:xfrm>
+        </p:grpSpPr>
+        <p:sp>
+          <p:nvSpPr>
+            <p:cNvPr id="4" name="Rounded Rectangle 3"/>
+            <p:cNvSpPr/>
+            <p:nvPr/>
+          </p:nvSpPr>
+          <p:spPr>
+            <a:xfrm>
+              <a:off x="3945080" y="1474434"/>
+              <a:ext cx="1171485" cy="336062"/>
+            </a:xfrm>
+            <a:prstGeom prst="roundRect">
+              <a:avLst/>
+            </a:prstGeom>
+            <a:solidFill>
+              <a:srgbClr val="FF0000"/>
+            </a:solidFill>
+          </p:spPr>
+          <p:style>
+            <a:lnRef idx="2">
+              <a:schemeClr val="accent1">
+                <a:shade val="50000"/>
+              </a:schemeClr>
+            </a:lnRef>
+            <a:fillRef idx="1">
+              <a:schemeClr val="accent1"/>
+            </a:fillRef>
+            <a:effectRef idx="0">
+              <a:schemeClr val="accent1"/>
+            </a:effectRef>
+            <a:fontRef idx="minor">
+              <a:schemeClr val="lt1"/>
+            </a:fontRef>
+          </p:style>
+          <p:txBody>
+            <a:bodyPr rtlCol="0" anchor="ctr"/>
+            <a:lstStyle/>
+            <a:p>
+              <a:pPr algn="ctr"/>
+              <a:r>
+                <a:rPr lang="en-US" dirty="0" smtClean="0"/>
+                <a:t>Block 0</a:t>
+              </a:r>
+              <a:endParaRPr lang="en-US" dirty="0"/>
+            </a:p>
+          </p:txBody>
+        </p:sp>
+        <p:sp>
+          <p:nvSpPr>
+            <p:cNvPr id="5" name="Rounded Rectangle 4"/>
+            <p:cNvSpPr/>
+            <p:nvPr/>
+          </p:nvSpPr>
+          <p:spPr>
+            <a:xfrm>
+              <a:off x="5346927" y="1464478"/>
+              <a:ext cx="1171485" cy="336062"/>
+            </a:xfrm>
+            <a:prstGeom prst="roundRect">
+              <a:avLst/>
+            </a:prstGeom>
+            <a:solidFill>
+              <a:schemeClr val="accent6">
+                <a:lumMod val="75000"/>
+              </a:schemeClr>
+            </a:solidFill>
+          </p:spPr>
+          <p:style>
+            <a:lnRef idx="2">
+              <a:schemeClr val="accent1">
+                <a:shade val="50000"/>
+              </a:schemeClr>
+            </a:lnRef>
+            <a:fillRef idx="1">
+              <a:schemeClr val="accent1"/>
+            </a:fillRef>
+            <a:effectRef idx="0">
+              <a:schemeClr val="accent1"/>
+            </a:effectRef>
+            <a:fontRef idx="minor">
+              <a:schemeClr val="lt1"/>
+            </a:fontRef>
+          </p:style>
+          <p:txBody>
+            <a:bodyPr rtlCol="0" anchor="ctr"/>
+            <a:lstStyle/>
+            <a:p>
+              <a:pPr algn="ctr"/>
+              <a:r>
+                <a:rPr lang="en-US" dirty="0" smtClean="0"/>
+                <a:t>Block 1</a:t>
+              </a:r>
+              <a:endParaRPr lang="en-US" dirty="0"/>
+            </a:p>
+          </p:txBody>
+        </p:sp>
+        <p:sp>
+          <p:nvSpPr>
+            <p:cNvPr id="6" name="Rounded Rectangle 5"/>
+            <p:cNvSpPr/>
+            <p:nvPr/>
+          </p:nvSpPr>
+          <p:spPr>
+            <a:xfrm>
+              <a:off x="6748774" y="1456012"/>
+              <a:ext cx="1171485" cy="336062"/>
+            </a:xfrm>
+            <a:prstGeom prst="roundRect">
+              <a:avLst/>
+            </a:prstGeom>
+            <a:solidFill>
+              <a:schemeClr val="accent6">
+                <a:lumMod val="75000"/>
+              </a:schemeClr>
+            </a:solidFill>
+          </p:spPr>
+          <p:style>
+            <a:lnRef idx="2">
+              <a:schemeClr val="accent1">
+                <a:shade val="50000"/>
+              </a:schemeClr>
+            </a:lnRef>
+            <a:fillRef idx="1">
+              <a:schemeClr val="accent1"/>
+            </a:fillRef>
+            <a:effectRef idx="0">
+              <a:schemeClr val="accent1"/>
+            </a:effectRef>
+            <a:fontRef idx="minor">
+              <a:schemeClr val="lt1"/>
+            </a:fontRef>
+          </p:style>
+          <p:txBody>
+            <a:bodyPr rtlCol="0" anchor="ctr"/>
+            <a:lstStyle/>
+            <a:p>
+              <a:pPr algn="ctr"/>
+              <a:r>
+                <a:rPr lang="en-US" dirty="0" smtClean="0"/>
+                <a:t>Block </a:t>
+              </a:r>
+              <a:r>
+                <a:rPr lang="en-US" dirty="0" err="1" smtClean="0"/>
+                <a:t>i</a:t>
+              </a:r>
+              <a:endParaRPr lang="en-US" dirty="0"/>
+            </a:p>
+          </p:txBody>
+        </p:sp>
+        <p:sp>
+          <p:nvSpPr>
+            <p:cNvPr id="8" name="Rounded Rectangle 7"/>
+            <p:cNvSpPr/>
+            <p:nvPr/>
+          </p:nvSpPr>
+          <p:spPr>
+            <a:xfrm>
+              <a:off x="3726660" y="2302249"/>
+              <a:ext cx="585331" cy="336062"/>
+            </a:xfrm>
+            <a:prstGeom prst="roundRect">
+              <a:avLst/>
+            </a:prstGeom>
+            <a:solidFill>
+              <a:srgbClr val="FF0000"/>
+            </a:solidFill>
+          </p:spPr>
+          <p:style>
+            <a:lnRef idx="2">
+              <a:schemeClr val="accent1">
+                <a:shade val="50000"/>
+              </a:schemeClr>
+            </a:lnRef>
+            <a:fillRef idx="1">
+              <a:schemeClr val="accent1"/>
+            </a:fillRef>
+            <a:effectRef idx="0">
+              <a:schemeClr val="accent1"/>
+            </a:effectRef>
+            <a:fontRef idx="minor">
+              <a:schemeClr val="lt1"/>
+            </a:fontRef>
+          </p:style>
+          <p:txBody>
+            <a:bodyPr rtlCol="0" anchor="ctr"/>
+            <a:lstStyle/>
+            <a:p>
+              <a:pPr algn="ctr"/>
+              <a:endParaRPr lang="en-US" dirty="0"/>
+            </a:p>
+          </p:txBody>
+        </p:sp>
+        <p:sp>
+          <p:nvSpPr>
+            <p:cNvPr id="9" name="Rounded Rectangle 8"/>
+            <p:cNvSpPr/>
+            <p:nvPr/>
+          </p:nvSpPr>
+          <p:spPr>
+            <a:xfrm>
+              <a:off x="3603329" y="3071446"/>
+              <a:ext cx="296163" cy="336062"/>
+            </a:xfrm>
+            <a:prstGeom prst="roundRect">
+              <a:avLst/>
+            </a:prstGeom>
+            <a:solidFill>
+              <a:srgbClr val="FF0000"/>
+            </a:solidFill>
+          </p:spPr>
+          <p:style>
+            <a:lnRef idx="2">
+              <a:schemeClr val="accent1">
+                <a:shade val="50000"/>
+              </a:schemeClr>
+            </a:lnRef>
+            <a:fillRef idx="1">
+              <a:schemeClr val="accent1"/>
+            </a:fillRef>
+            <a:effectRef idx="0">
+              <a:schemeClr val="accent1"/>
+            </a:effectRef>
+            <a:fontRef idx="minor">
+              <a:schemeClr val="lt1"/>
+            </a:fontRef>
+          </p:style>
+          <p:txBody>
+            <a:bodyPr rtlCol="0" anchor="ctr"/>
+            <a:lstStyle/>
+            <a:p>
+              <a:pPr algn="ctr"/>
+              <a:endParaRPr lang="en-US" dirty="0"/>
+            </a:p>
+          </p:txBody>
+        </p:sp>
+        <p:sp>
+          <p:nvSpPr>
+            <p:cNvPr id="10" name="Rounded Rectangle 9"/>
+            <p:cNvSpPr/>
+            <p:nvPr/>
+          </p:nvSpPr>
+          <p:spPr>
+            <a:xfrm>
+              <a:off x="4687542" y="2302249"/>
+              <a:ext cx="585331" cy="336062"/>
+            </a:xfrm>
+            <a:prstGeom prst="roundRect">
+              <a:avLst/>
+            </a:prstGeom>
+            <a:solidFill>
+              <a:srgbClr val="FF0000"/>
+            </a:solidFill>
+          </p:spPr>
+          <p:style>
+            <a:lnRef idx="2">
+              <a:schemeClr val="accent1">
+                <a:shade val="50000"/>
+              </a:schemeClr>
+            </a:lnRef>
+            <a:fillRef idx="1">
+              <a:schemeClr val="accent1"/>
+            </a:fillRef>
+            <a:effectRef idx="0">
+              <a:schemeClr val="accent1"/>
+            </a:effectRef>
+            <a:fontRef idx="minor">
+              <a:schemeClr val="lt1"/>
+            </a:fontRef>
+          </p:style>
+          <p:txBody>
+            <a:bodyPr rtlCol="0" anchor="ctr"/>
+            <a:lstStyle/>
+            <a:p>
+              <a:pPr algn="ctr"/>
+              <a:endParaRPr lang="en-US" dirty="0"/>
+            </a:p>
+          </p:txBody>
+        </p:sp>
+        <p:sp>
+          <p:nvSpPr>
+            <p:cNvPr id="11" name="Rounded Rectangle 10"/>
+            <p:cNvSpPr/>
+            <p:nvPr/>
+          </p:nvSpPr>
+          <p:spPr>
+            <a:xfrm>
+              <a:off x="4107087" y="3071446"/>
+              <a:ext cx="296163" cy="336062"/>
+            </a:xfrm>
+            <a:prstGeom prst="roundRect">
+              <a:avLst/>
+            </a:prstGeom>
+            <a:solidFill>
+              <a:schemeClr val="accent6">
+                <a:lumMod val="75000"/>
+              </a:schemeClr>
+            </a:solidFill>
+          </p:spPr>
+          <p:style>
+            <a:lnRef idx="2">
+              <a:schemeClr val="accent1">
+                <a:shade val="50000"/>
+              </a:schemeClr>
+            </a:lnRef>
+            <a:fillRef idx="1">
+              <a:schemeClr val="accent1"/>
+            </a:fillRef>
+            <a:effectRef idx="0">
+              <a:schemeClr val="accent1"/>
+            </a:effectRef>
+            <a:fontRef idx="minor">
+              <a:schemeClr val="lt1"/>
+            </a:fontRef>
+          </p:style>
+          <p:txBody>
+            <a:bodyPr rtlCol="0" anchor="ctr"/>
+            <a:lstStyle/>
+            <a:p>
+              <a:pPr algn="ctr"/>
+              <a:endParaRPr lang="en-US" dirty="0"/>
+            </a:p>
+          </p:txBody>
+        </p:sp>
+        <p:sp>
+          <p:nvSpPr>
+            <p:cNvPr id="12" name="Rounded Rectangle 11"/>
+            <p:cNvSpPr/>
+            <p:nvPr/>
+          </p:nvSpPr>
+          <p:spPr>
+            <a:xfrm>
+              <a:off x="4572178" y="3071446"/>
+              <a:ext cx="296163" cy="336062"/>
+            </a:xfrm>
+            <a:prstGeom prst="roundRect">
+              <a:avLst/>
+            </a:prstGeom>
+            <a:solidFill>
+              <a:srgbClr val="FF0000"/>
+            </a:solidFill>
+          </p:spPr>
+          <p:style>
+            <a:lnRef idx="2">
+              <a:schemeClr val="accent1">
+                <a:shade val="50000"/>
+              </a:schemeClr>
+            </a:lnRef>
+            <a:fillRef idx="1">
+              <a:schemeClr val="accent1"/>
+            </a:fillRef>
+            <a:effectRef idx="0">
+              <a:schemeClr val="accent1"/>
+            </a:effectRef>
+            <a:fontRef idx="minor">
+              <a:schemeClr val="lt1"/>
+            </a:fontRef>
+          </p:style>
+          <p:txBody>
+            <a:bodyPr rtlCol="0" anchor="ctr"/>
+            <a:lstStyle/>
+            <a:p>
+              <a:pPr algn="ctr"/>
+              <a:endParaRPr lang="en-US" dirty="0"/>
+            </a:p>
+          </p:txBody>
+        </p:sp>
+        <p:sp>
+          <p:nvSpPr>
+            <p:cNvPr id="13" name="Rounded Rectangle 12"/>
+            <p:cNvSpPr/>
+            <p:nvPr/>
+          </p:nvSpPr>
+          <p:spPr>
+            <a:xfrm>
+              <a:off x="5050764" y="3071446"/>
+              <a:ext cx="296163" cy="336062"/>
+            </a:xfrm>
+            <a:prstGeom prst="roundRect">
+              <a:avLst/>
+            </a:prstGeom>
+            <a:solidFill>
+              <a:schemeClr val="accent6">
+                <a:lumMod val="75000"/>
+              </a:schemeClr>
+            </a:solidFill>
+          </p:spPr>
+          <p:style>
+            <a:lnRef idx="2">
+              <a:schemeClr val="accent1">
+                <a:shade val="50000"/>
+              </a:schemeClr>
+            </a:lnRef>
+            <a:fillRef idx="1">
+              <a:schemeClr val="accent1"/>
+            </a:fillRef>
+            <a:effectRef idx="0">
+              <a:schemeClr val="accent1"/>
+            </a:effectRef>
+            <a:fontRef idx="minor">
+              <a:schemeClr val="lt1"/>
+            </a:fontRef>
+          </p:style>
+          <p:txBody>
+            <a:bodyPr rtlCol="0" anchor="ctr"/>
+            <a:lstStyle/>
+            <a:p>
+              <a:pPr algn="ctr"/>
+              <a:endParaRPr lang="en-US" dirty="0"/>
+            </a:p>
+          </p:txBody>
+        </p:sp>
+        <p:sp>
+          <p:nvSpPr>
+            <p:cNvPr id="14" name="Rounded Rectangle 13"/>
+            <p:cNvSpPr/>
+            <p:nvPr/>
+          </p:nvSpPr>
+          <p:spPr>
+            <a:xfrm>
+              <a:off x="4311991" y="3986237"/>
+              <a:ext cx="296163" cy="336062"/>
+            </a:xfrm>
+            <a:prstGeom prst="roundRect">
+              <a:avLst/>
+            </a:prstGeom>
+            <a:solidFill>
+              <a:srgbClr val="FF0000"/>
+            </a:solidFill>
+          </p:spPr>
+          <p:style>
+            <a:lnRef idx="2">
+              <a:schemeClr val="accent1">
+                <a:shade val="50000"/>
+              </a:schemeClr>
+            </a:lnRef>
+            <a:fillRef idx="1">
+              <a:schemeClr val="accent1"/>
+            </a:fillRef>
+            <a:effectRef idx="0">
+              <a:schemeClr val="accent1"/>
+            </a:effectRef>
+            <a:fontRef idx="minor">
+              <a:schemeClr val="lt1"/>
+            </a:fontRef>
+          </p:style>
+          <p:txBody>
+            <a:bodyPr rtlCol="0" anchor="ctr"/>
+            <a:lstStyle/>
+            <a:p>
+              <a:pPr algn="ctr"/>
+              <a:endParaRPr lang="en-US" dirty="0"/>
+            </a:p>
+          </p:txBody>
+        </p:sp>
+        <p:sp>
+          <p:nvSpPr>
+            <p:cNvPr id="15" name="Rounded Rectangle 14"/>
+            <p:cNvSpPr/>
+            <p:nvPr/>
+          </p:nvSpPr>
+          <p:spPr>
+            <a:xfrm>
+              <a:off x="4783351" y="3986237"/>
+              <a:ext cx="296163" cy="336062"/>
+            </a:xfrm>
+            <a:prstGeom prst="roundRect">
+              <a:avLst/>
+            </a:prstGeom>
+            <a:solidFill>
+              <a:schemeClr val="accent6">
+                <a:lumMod val="75000"/>
+              </a:schemeClr>
+            </a:solidFill>
+          </p:spPr>
+          <p:style>
+            <a:lnRef idx="2">
+              <a:schemeClr val="accent1">
+                <a:shade val="50000"/>
+              </a:schemeClr>
+            </a:lnRef>
+            <a:fillRef idx="1">
+              <a:schemeClr val="accent1"/>
+            </a:fillRef>
+            <a:effectRef idx="0">
+              <a:schemeClr val="accent1"/>
+            </a:effectRef>
+            <a:fontRef idx="minor">
+              <a:schemeClr val="lt1"/>
+            </a:fontRef>
+          </p:style>
+          <p:txBody>
+            <a:bodyPr rtlCol="0" anchor="ctr"/>
+            <a:lstStyle/>
+            <a:p>
+              <a:pPr algn="ctr"/>
+              <a:endParaRPr lang="en-US" dirty="0"/>
+            </a:p>
+          </p:txBody>
+        </p:sp>
+        <p:cxnSp>
+          <p:nvCxnSpPr>
+            <p:cNvPr id="17" name="Straight Connector 16"/>
+            <p:cNvCxnSpPr>
+              <a:stCxn id="4" idx="2"/>
+              <a:endCxn id="8" idx="0"/>
+            </p:cNvCxnSpPr>
+            <p:nvPr/>
+          </p:nvCxnSpPr>
+          <p:spPr>
+            <a:xfrm flipH="1">
+              <a:off x="4019326" y="1810496"/>
+              <a:ext cx="511497" cy="491753"/>
+            </a:xfrm>
+            <a:prstGeom prst="line">
+              <a:avLst/>
+            </a:prstGeom>
+          </p:spPr>
+          <p:style>
+            <a:lnRef idx="1">
+              <a:schemeClr val="dk1"/>
+            </a:lnRef>
+            <a:fillRef idx="0">
+              <a:schemeClr val="dk1"/>
+            </a:fillRef>
+            <a:effectRef idx="0">
+              <a:schemeClr val="dk1"/>
+            </a:effectRef>
+            <a:fontRef idx="minor">
+              <a:schemeClr val="tx1"/>
+            </a:fontRef>
+          </p:style>
+        </p:cxnSp>
+        <p:cxnSp>
+          <p:nvCxnSpPr>
+            <p:cNvPr id="19" name="Straight Connector 18"/>
+            <p:cNvCxnSpPr>
+              <a:stCxn id="4" idx="2"/>
+              <a:endCxn id="10" idx="0"/>
+            </p:cNvCxnSpPr>
+            <p:nvPr/>
+          </p:nvCxnSpPr>
+          <p:spPr>
+            <a:xfrm>
+              <a:off x="4530823" y="1810496"/>
+              <a:ext cx="449385" cy="491753"/>
+            </a:xfrm>
+            <a:prstGeom prst="line">
+              <a:avLst/>
+            </a:prstGeom>
+          </p:spPr>
+          <p:style>
+            <a:lnRef idx="1">
+              <a:schemeClr val="dk1"/>
+            </a:lnRef>
+            <a:fillRef idx="0">
+              <a:schemeClr val="dk1"/>
+            </a:fillRef>
+            <a:effectRef idx="0">
+              <a:schemeClr val="dk1"/>
+            </a:effectRef>
+            <a:fontRef idx="minor">
+              <a:schemeClr val="tx1"/>
+            </a:fontRef>
+          </p:style>
+        </p:cxnSp>
+        <p:cxnSp>
+          <p:nvCxnSpPr>
+            <p:cNvPr id="23" name="Straight Connector 22"/>
+            <p:cNvCxnSpPr>
+              <a:stCxn id="8" idx="2"/>
+              <a:endCxn id="9" idx="0"/>
+            </p:cNvCxnSpPr>
+            <p:nvPr/>
+          </p:nvCxnSpPr>
+          <p:spPr>
+            <a:xfrm flipH="1">
+              <a:off x="3751411" y="2638311"/>
+              <a:ext cx="267915" cy="433135"/>
+            </a:xfrm>
+            <a:prstGeom prst="line">
+              <a:avLst/>
+            </a:prstGeom>
+          </p:spPr>
+          <p:style>
+            <a:lnRef idx="1">
+              <a:schemeClr val="dk1"/>
+            </a:lnRef>
+            <a:fillRef idx="0">
+              <a:schemeClr val="dk1"/>
+            </a:fillRef>
+            <a:effectRef idx="0">
+              <a:schemeClr val="dk1"/>
+            </a:effectRef>
+            <a:fontRef idx="minor">
+              <a:schemeClr val="tx1"/>
+            </a:fontRef>
+          </p:style>
+        </p:cxnSp>
+        <p:cxnSp>
+          <p:nvCxnSpPr>
+            <p:cNvPr id="25" name="Straight Connector 24"/>
+            <p:cNvCxnSpPr>
+              <a:stCxn id="8" idx="2"/>
+              <a:endCxn id="11" idx="0"/>
+            </p:cNvCxnSpPr>
+            <p:nvPr/>
+          </p:nvCxnSpPr>
+          <p:spPr>
+            <a:xfrm>
+              <a:off x="4019326" y="2638311"/>
+              <a:ext cx="235843" cy="433135"/>
+            </a:xfrm>
+            <a:prstGeom prst="line">
+              <a:avLst/>
+            </a:prstGeom>
+          </p:spPr>
+          <p:style>
+            <a:lnRef idx="1">
+              <a:schemeClr val="dk1"/>
+            </a:lnRef>
+            <a:fillRef idx="0">
+              <a:schemeClr val="dk1"/>
+            </a:fillRef>
+            <a:effectRef idx="0">
+              <a:schemeClr val="dk1"/>
+            </a:effectRef>
+            <a:fontRef idx="minor">
+              <a:schemeClr val="tx1"/>
+            </a:fontRef>
+          </p:style>
+        </p:cxnSp>
+        <p:cxnSp>
+          <p:nvCxnSpPr>
+            <p:cNvPr id="27" name="Straight Connector 26"/>
+            <p:cNvCxnSpPr>
+              <a:stCxn id="10" idx="2"/>
+              <a:endCxn id="12" idx="0"/>
+            </p:cNvCxnSpPr>
+            <p:nvPr/>
+          </p:nvCxnSpPr>
+          <p:spPr>
+            <a:xfrm flipH="1">
+              <a:off x="4720260" y="2638311"/>
+              <a:ext cx="259948" cy="433135"/>
+            </a:xfrm>
+            <a:prstGeom prst="line">
+              <a:avLst/>
+            </a:prstGeom>
+          </p:spPr>
+          <p:style>
+            <a:lnRef idx="1">
+              <a:schemeClr val="dk1"/>
+            </a:lnRef>
+            <a:fillRef idx="0">
+              <a:schemeClr val="dk1"/>
+            </a:fillRef>
+            <a:effectRef idx="0">
+              <a:schemeClr val="dk1"/>
+            </a:effectRef>
+            <a:fontRef idx="minor">
+              <a:schemeClr val="tx1"/>
+            </a:fontRef>
+          </p:style>
+        </p:cxnSp>
+        <p:cxnSp>
+          <p:nvCxnSpPr>
+            <p:cNvPr id="29" name="Straight Connector 28"/>
+            <p:cNvCxnSpPr>
+              <a:stCxn id="10" idx="2"/>
+              <a:endCxn id="13" idx="0"/>
+            </p:cNvCxnSpPr>
+            <p:nvPr/>
+          </p:nvCxnSpPr>
+          <p:spPr>
+            <a:xfrm>
+              <a:off x="4980208" y="2638311"/>
+              <a:ext cx="218638" cy="433135"/>
+            </a:xfrm>
+            <a:prstGeom prst="line">
+              <a:avLst/>
+            </a:prstGeom>
+          </p:spPr>
+          <p:style>
+            <a:lnRef idx="1">
+              <a:schemeClr val="dk1"/>
+            </a:lnRef>
+            <a:fillRef idx="0">
+              <a:schemeClr val="dk1"/>
+            </a:fillRef>
+            <a:effectRef idx="0">
+              <a:schemeClr val="dk1"/>
+            </a:effectRef>
+            <a:fontRef idx="minor">
+              <a:schemeClr val="tx1"/>
+            </a:fontRef>
+          </p:style>
+        </p:cxnSp>
+        <p:cxnSp>
+          <p:nvCxnSpPr>
+            <p:cNvPr id="31" name="Straight Connector 30"/>
+            <p:cNvCxnSpPr>
+              <a:stCxn id="12" idx="2"/>
+              <a:endCxn id="14" idx="0"/>
+            </p:cNvCxnSpPr>
+            <p:nvPr/>
+          </p:nvCxnSpPr>
+          <p:spPr>
+            <a:xfrm flipH="1">
+              <a:off x="4460073" y="3407508"/>
+              <a:ext cx="260187" cy="578729"/>
+            </a:xfrm>
+            <a:prstGeom prst="line">
+              <a:avLst/>
+            </a:prstGeom>
+          </p:spPr>
+          <p:style>
+            <a:lnRef idx="1">
+              <a:schemeClr val="dk1"/>
+            </a:lnRef>
+            <a:fillRef idx="0">
+              <a:schemeClr val="dk1"/>
+            </a:fillRef>
+            <a:effectRef idx="0">
+              <a:schemeClr val="dk1"/>
+            </a:effectRef>
+            <a:fontRef idx="minor">
+              <a:schemeClr val="tx1"/>
+            </a:fontRef>
+          </p:style>
+        </p:cxnSp>
+        <p:cxnSp>
+          <p:nvCxnSpPr>
+            <p:cNvPr id="33" name="Straight Connector 32"/>
+            <p:cNvCxnSpPr>
+              <a:stCxn id="12" idx="2"/>
+              <a:endCxn id="15" idx="0"/>
+            </p:cNvCxnSpPr>
+            <p:nvPr/>
+          </p:nvCxnSpPr>
+          <p:spPr>
+            <a:xfrm>
+              <a:off x="4720260" y="3407508"/>
+              <a:ext cx="211173" cy="578729"/>
+            </a:xfrm>
+            <a:prstGeom prst="line">
+              <a:avLst/>
+            </a:prstGeom>
+          </p:spPr>
+          <p:style>
+            <a:lnRef idx="1">
+              <a:schemeClr val="dk1"/>
+            </a:lnRef>
+            <a:fillRef idx="0">
+              <a:schemeClr val="dk1"/>
+            </a:fillRef>
+            <a:effectRef idx="0">
+              <a:schemeClr val="dk1"/>
+            </a:effectRef>
+            <a:fontRef idx="minor">
+              <a:schemeClr val="tx1"/>
+            </a:fontRef>
+          </p:style>
+        </p:cxnSp>
+      </p:grpSp>
+      <p:cxnSp>
+        <p:nvCxnSpPr>
+          <p:cNvPr id="48" name="Curved Connector 47"/>
+          <p:cNvCxnSpPr>
+            <a:stCxn id="5" idx="2"/>
+            <a:endCxn id="6" idx="2"/>
+          </p:cNvCxnSpPr>
+          <p:nvPr/>
+        </p:nvCxnSpPr>
+        <p:spPr>
+          <a:xfrm rot="5400000" flipH="1" flipV="1">
+            <a:off x="5597729" y="1095383"/>
+            <a:ext cx="8466" cy="1401847"/>
+          </a:xfrm>
+          <a:prstGeom prst="curvedConnector3">
+            <a:avLst>
+              <a:gd name="adj1" fmla="val -2700213"/>
+            </a:avLst>
+          </a:prstGeom>
+          <a:ln>
+            <a:tailEnd type="triangle"/>
+          </a:ln>
+        </p:spPr>
+        <p:style>
+          <a:lnRef idx="1">
+            <a:schemeClr val="accent6"/>
+          </a:lnRef>
+          <a:fillRef idx="0">
+            <a:schemeClr val="accent6"/>
+          </a:fillRef>
+          <a:effectRef idx="0">
+            <a:schemeClr val="accent6"/>
+          </a:effectRef>
+          <a:fontRef idx="minor">
+            <a:schemeClr val="tx1"/>
+          </a:fontRef>
+        </p:style>
+      </p:cxnSp>
+      <p:cxnSp>
+        <p:nvCxnSpPr>
+          <p:cNvPr id="60" name="Curved Connector 59"/>
+          <p:cNvCxnSpPr>
+            <a:stCxn id="34" idx="3"/>
+            <a:endCxn id="5" idx="0"/>
+          </p:cNvCxnSpPr>
+          <p:nvPr/>
+        </p:nvCxnSpPr>
+        <p:spPr>
+          <a:xfrm flipV="1">
+            <a:off x="2160802" y="1464478"/>
+            <a:ext cx="2740237" cy="163111"/>
+          </a:xfrm>
+          <a:prstGeom prst="curvedConnector4">
+            <a:avLst>
+              <a:gd name="adj1" fmla="val 25408"/>
+              <a:gd name="adj2" fmla="val 240992"/>
+            </a:avLst>
+          </a:prstGeom>
+          <a:ln>
+            <a:tailEnd type="triangle"/>
+          </a:ln>
+        </p:spPr>
+        <p:style>
+          <a:lnRef idx="1">
+            <a:schemeClr val="accent6"/>
+          </a:lnRef>
+          <a:fillRef idx="0">
+            <a:schemeClr val="accent6"/>
+          </a:fillRef>
+          <a:effectRef idx="0">
+            <a:schemeClr val="accent6"/>
+          </a:effectRef>
+          <a:fontRef idx="minor">
+            <a:schemeClr val="tx1"/>
+          </a:fontRef>
+        </p:style>
+      </p:cxnSp>
+      <p:cxnSp>
+        <p:nvCxnSpPr>
+          <p:cNvPr id="63" name="Curved Connector 62"/>
+          <p:cNvCxnSpPr>
+            <a:stCxn id="36" idx="3"/>
+            <a:endCxn id="11" idx="2"/>
+          </p:cNvCxnSpPr>
+          <p:nvPr/>
+        </p:nvCxnSpPr>
+        <p:spPr>
+          <a:xfrm>
+            <a:off x="2160802" y="2285529"/>
+            <a:ext cx="1062736" cy="1121979"/>
+          </a:xfrm>
+          <a:prstGeom prst="curvedConnector4">
+            <a:avLst>
+              <a:gd name="adj1" fmla="val 23315"/>
+              <a:gd name="adj2" fmla="val 120375"/>
+            </a:avLst>
+          </a:prstGeom>
+          <a:ln>
+            <a:tailEnd type="triangle"/>
+          </a:ln>
+        </p:spPr>
+        <p:style>
+          <a:lnRef idx="1">
+            <a:schemeClr val="accent6"/>
+          </a:lnRef>
+          <a:fillRef idx="0">
+            <a:schemeClr val="accent6"/>
+          </a:fillRef>
+          <a:effectRef idx="0">
+            <a:schemeClr val="accent6"/>
+          </a:effectRef>
+          <a:fontRef idx="minor">
+            <a:schemeClr val="tx1"/>
+          </a:fontRef>
+        </p:style>
+      </p:cxnSp>
+      <p:cxnSp>
+        <p:nvCxnSpPr>
+          <p:cNvPr id="66" name="Curved Connector 65"/>
+          <p:cNvCxnSpPr>
+            <a:stCxn id="11" idx="2"/>
+            <a:endCxn id="13" idx="2"/>
+          </p:cNvCxnSpPr>
+          <p:nvPr/>
+        </p:nvCxnSpPr>
+        <p:spPr>
+          <a:xfrm rot="16200000" flipH="1">
+            <a:off x="3695376" y="2935669"/>
+            <a:ext cx="12700" cy="943677"/>
+          </a:xfrm>
+          <a:prstGeom prst="curvedConnector3">
+            <a:avLst>
+              <a:gd name="adj1" fmla="val 1800000"/>
+            </a:avLst>
+          </a:prstGeom>
+          <a:ln>
+            <a:tailEnd type="triangle"/>
+          </a:ln>
+        </p:spPr>
+        <p:style>
+          <a:lnRef idx="1">
+            <a:schemeClr val="accent6"/>
+          </a:lnRef>
+          <a:fillRef idx="0">
+            <a:schemeClr val="accent6"/>
+          </a:fillRef>
+          <a:effectRef idx="0">
+            <a:schemeClr val="accent6"/>
+          </a:effectRef>
+          <a:fontRef idx="minor">
+            <a:schemeClr val="tx1"/>
+          </a:fontRef>
+        </p:style>
+      </p:cxnSp>
+      <p:cxnSp>
+        <p:nvCxnSpPr>
+          <p:cNvPr id="68" name="Curved Connector 67"/>
+          <p:cNvCxnSpPr>
+            <a:stCxn id="37" idx="3"/>
+            <a:endCxn id="15" idx="2"/>
+          </p:cNvCxnSpPr>
+          <p:nvPr/>
+        </p:nvCxnSpPr>
+        <p:spPr>
+          <a:xfrm>
+            <a:off x="2160802" y="2614499"/>
+            <a:ext cx="1739000" cy="1707800"/>
+          </a:xfrm>
+          <a:prstGeom prst="curvedConnector4">
+            <a:avLst>
+              <a:gd name="adj1" fmla="val 10140"/>
+              <a:gd name="adj2" fmla="val 105857"/>
+            </a:avLst>
+          </a:prstGeom>
+          <a:ln>
+            <a:tailEnd type="triangle"/>
+          </a:ln>
+        </p:spPr>
+        <p:style>
+          <a:lnRef idx="1">
+            <a:schemeClr val="accent6"/>
+          </a:lnRef>
+          <a:fillRef idx="0">
+            <a:schemeClr val="accent6"/>
+          </a:fillRef>
+          <a:effectRef idx="0">
+            <a:schemeClr val="accent6"/>
+          </a:effectRef>
+          <a:fontRef idx="minor">
+            <a:schemeClr val="tx1"/>
+          </a:fontRef>
+        </p:style>
+      </p:cxnSp>
+      <p:grpSp>
+        <p:nvGrpSpPr>
+          <p:cNvPr id="104" name="Group 103"/>
+          <p:cNvGrpSpPr/>
+          <p:nvPr/>
+        </p:nvGrpSpPr>
+        <p:grpSpPr>
+          <a:xfrm>
+            <a:off x="7281102" y="1555450"/>
+            <a:ext cx="1137403" cy="2675877"/>
+            <a:chOff x="7281102" y="1555450"/>
+            <a:chExt cx="1137403" cy="2675877"/>
+          </a:xfrm>
+        </p:grpSpPr>
+        <p:grpSp>
+          <p:nvGrpSpPr>
+            <p:cNvPr id="103" name="Group 102"/>
+            <p:cNvGrpSpPr/>
+            <p:nvPr/>
+          </p:nvGrpSpPr>
+          <p:grpSpPr>
+            <a:xfrm>
+              <a:off x="7281102" y="4077209"/>
+              <a:ext cx="1137403" cy="154118"/>
+              <a:chOff x="7377947" y="3986237"/>
+              <a:chExt cx="1137403" cy="154118"/>
+            </a:xfrm>
+          </p:grpSpPr>
+          <p:sp>
+            <p:nvSpPr>
+              <p:cNvPr id="89" name="Rectangle 88"/>
+              <p:cNvSpPr/>
+              <p:nvPr/>
+            </p:nvSpPr>
+            <p:spPr>
+              <a:xfrm>
+                <a:off x="7797672" y="3986237"/>
+                <a:ext cx="104265" cy="154118"/>
+              </a:xfrm>
+              <a:prstGeom prst="rect">
+                <a:avLst/>
+              </a:prstGeom>
+              <a:solidFill>
+                <a:srgbClr val="FF0000"/>
+              </a:solidFill>
+            </p:spPr>
+            <p:style>
+              <a:lnRef idx="2">
+                <a:schemeClr val="accent1">
+                  <a:shade val="50000"/>
+                </a:schemeClr>
+              </a:lnRef>
+              <a:fillRef idx="1">
+                <a:schemeClr val="accent1"/>
+              </a:fillRef>
+              <a:effectRef idx="0">
+                <a:schemeClr val="accent1"/>
+              </a:effectRef>
+              <a:fontRef idx="minor">
+                <a:schemeClr val="lt1"/>
+              </a:fontRef>
+            </p:style>
+            <p:txBody>
+              <a:bodyPr rtlCol="0" anchor="ctr"/>
+              <a:lstStyle/>
+              <a:p>
+                <a:pPr algn="ctr"/>
+                <a:r>
+                  <a:rPr lang="en-US" dirty="0" smtClean="0"/>
+                  <a:t>0</a:t>
+                </a:r>
+                <a:endParaRPr lang="en-US" dirty="0"/>
+              </a:p>
+            </p:txBody>
+          </p:sp>
+          <p:sp>
+            <p:nvSpPr>
+              <p:cNvPr id="90" name="Rectangle 89"/>
+              <p:cNvSpPr/>
+              <p:nvPr/>
+            </p:nvSpPr>
+            <p:spPr>
+              <a:xfrm>
+                <a:off x="7904602" y="3986237"/>
+                <a:ext cx="104265" cy="154118"/>
+              </a:xfrm>
+              <a:prstGeom prst="rect">
+                <a:avLst/>
+              </a:prstGeom>
+              <a:solidFill>
+                <a:schemeClr val="accent6">
+                  <a:lumMod val="75000"/>
+                </a:schemeClr>
+              </a:solidFill>
+            </p:spPr>
+            <p:style>
+              <a:lnRef idx="2">
+                <a:schemeClr val="accent1">
+                  <a:shade val="50000"/>
+                </a:schemeClr>
+              </a:lnRef>
+              <a:fillRef idx="1">
+                <a:schemeClr val="accent1"/>
+              </a:fillRef>
+              <a:effectRef idx="0">
+                <a:schemeClr val="accent1"/>
+              </a:effectRef>
+              <a:fontRef idx="minor">
+                <a:schemeClr val="lt1"/>
+              </a:fontRef>
+            </p:style>
+            <p:txBody>
+              <a:bodyPr rtlCol="0" anchor="ctr"/>
+              <a:lstStyle/>
+              <a:p>
+                <a:pPr algn="ctr"/>
+                <a:r>
+                  <a:rPr lang="en-US" dirty="0" smtClean="0"/>
+                  <a:t>1</a:t>
+                </a:r>
+                <a:endParaRPr lang="en-US" dirty="0"/>
+              </a:p>
+            </p:txBody>
+          </p:sp>
+          <p:sp>
+            <p:nvSpPr>
+              <p:cNvPr id="91" name="Rectangle 90"/>
+              <p:cNvSpPr/>
+              <p:nvPr/>
+            </p:nvSpPr>
+            <p:spPr>
+              <a:xfrm>
+                <a:off x="7377947" y="3986237"/>
+                <a:ext cx="104265" cy="154118"/>
+              </a:xfrm>
+              <a:prstGeom prst="rect">
+                <a:avLst/>
+              </a:prstGeom>
+              <a:solidFill>
+                <a:schemeClr val="bg1"/>
+              </a:solidFill>
+            </p:spPr>
+            <p:style>
+              <a:lnRef idx="2">
+                <a:schemeClr val="accent1">
+                  <a:shade val="50000"/>
+                </a:schemeClr>
+              </a:lnRef>
+              <a:fillRef idx="1">
+                <a:schemeClr val="accent1"/>
+              </a:fillRef>
+              <a:effectRef idx="0">
+                <a:schemeClr val="accent1"/>
+              </a:effectRef>
+              <a:fontRef idx="minor">
+                <a:schemeClr val="lt1"/>
+              </a:fontRef>
+            </p:style>
+            <p:txBody>
+              <a:bodyPr rtlCol="0" anchor="ctr"/>
+              <a:lstStyle/>
+              <a:p>
+                <a:pPr algn="ctr"/>
+                <a:endParaRPr lang="en-US" dirty="0"/>
+              </a:p>
+            </p:txBody>
+          </p:sp>
+          <p:sp>
+            <p:nvSpPr>
+              <p:cNvPr id="92" name="Rectangle 91"/>
+              <p:cNvSpPr/>
+              <p:nvPr/>
+            </p:nvSpPr>
+            <p:spPr>
+              <a:xfrm>
+                <a:off x="7482212" y="3986237"/>
+                <a:ext cx="104265" cy="154118"/>
+              </a:xfrm>
+              <a:prstGeom prst="rect">
+                <a:avLst/>
+              </a:prstGeom>
+              <a:solidFill>
+                <a:schemeClr val="bg1"/>
+              </a:solidFill>
+            </p:spPr>
+            <p:style>
+              <a:lnRef idx="2">
+                <a:schemeClr val="accent1">
+                  <a:shade val="50000"/>
+                </a:schemeClr>
+              </a:lnRef>
+              <a:fillRef idx="1">
+                <a:schemeClr val="accent1"/>
+              </a:fillRef>
+              <a:effectRef idx="0">
+                <a:schemeClr val="accent1"/>
+              </a:effectRef>
+              <a:fontRef idx="minor">
+                <a:schemeClr val="lt1"/>
+              </a:fontRef>
+            </p:style>
+            <p:txBody>
+              <a:bodyPr rtlCol="0" anchor="ctr"/>
+              <a:lstStyle/>
+              <a:p>
+                <a:pPr algn="ctr"/>
+                <a:endParaRPr lang="en-US" dirty="0"/>
+              </a:p>
+            </p:txBody>
+          </p:sp>
+          <p:sp>
+            <p:nvSpPr>
+              <p:cNvPr id="93" name="Rectangle 92"/>
+              <p:cNvSpPr/>
+              <p:nvPr/>
+            </p:nvSpPr>
+            <p:spPr>
+              <a:xfrm>
+                <a:off x="7586477" y="3986237"/>
+                <a:ext cx="104265" cy="154118"/>
+              </a:xfrm>
+              <a:prstGeom prst="rect">
+                <a:avLst/>
+              </a:prstGeom>
+              <a:solidFill>
+                <a:schemeClr val="bg1"/>
+              </a:solidFill>
+            </p:spPr>
+            <p:style>
+              <a:lnRef idx="2">
+                <a:schemeClr val="accent1">
+                  <a:shade val="50000"/>
+                </a:schemeClr>
+              </a:lnRef>
+              <a:fillRef idx="1">
+                <a:schemeClr val="accent1"/>
+              </a:fillRef>
+              <a:effectRef idx="0">
+                <a:schemeClr val="accent1"/>
+              </a:effectRef>
+              <a:fontRef idx="minor">
+                <a:schemeClr val="lt1"/>
+              </a:fontRef>
+            </p:style>
+            <p:txBody>
+              <a:bodyPr rtlCol="0" anchor="ctr"/>
+              <a:lstStyle/>
+              <a:p>
+                <a:pPr algn="ctr"/>
+                <a:endParaRPr lang="en-US" dirty="0"/>
+              </a:p>
+            </p:txBody>
+          </p:sp>
+          <p:sp>
+            <p:nvSpPr>
+              <p:cNvPr id="94" name="Rectangle 93"/>
+              <p:cNvSpPr/>
+              <p:nvPr/>
+            </p:nvSpPr>
+            <p:spPr>
+              <a:xfrm>
+                <a:off x="7690742" y="3986237"/>
+                <a:ext cx="104265" cy="154118"/>
+              </a:xfrm>
+              <a:prstGeom prst="rect">
+                <a:avLst/>
+              </a:prstGeom>
+              <a:solidFill>
+                <a:schemeClr val="bg1"/>
+              </a:solidFill>
+            </p:spPr>
+            <p:style>
+              <a:lnRef idx="2">
+                <a:schemeClr val="accent1">
+                  <a:shade val="50000"/>
+                </a:schemeClr>
+              </a:lnRef>
+              <a:fillRef idx="1">
+                <a:schemeClr val="accent1"/>
+              </a:fillRef>
+              <a:effectRef idx="0">
+                <a:schemeClr val="accent1"/>
+              </a:effectRef>
+              <a:fontRef idx="minor">
+                <a:schemeClr val="lt1"/>
+              </a:fontRef>
+            </p:style>
+            <p:txBody>
+              <a:bodyPr rtlCol="0" anchor="ctr"/>
+              <a:lstStyle/>
+              <a:p>
+                <a:pPr algn="ctr"/>
+                <a:endParaRPr lang="en-US" dirty="0"/>
+              </a:p>
+            </p:txBody>
+          </p:sp>
+          <p:sp>
+            <p:nvSpPr>
+              <p:cNvPr id="96" name="Rectangle 95"/>
+              <p:cNvSpPr/>
+              <p:nvPr/>
+            </p:nvSpPr>
+            <p:spPr>
+              <a:xfrm>
+                <a:off x="8008867" y="3986237"/>
+                <a:ext cx="506483" cy="154118"/>
+              </a:xfrm>
+              <a:prstGeom prst="rect">
+                <a:avLst/>
+              </a:prstGeom>
+              <a:solidFill>
+                <a:schemeClr val="bg1"/>
+              </a:solidFill>
+            </p:spPr>
+            <p:style>
+              <a:lnRef idx="2">
+                <a:schemeClr val="accent1">
+                  <a:shade val="50000"/>
+                </a:schemeClr>
+              </a:lnRef>
+              <a:fillRef idx="1">
+                <a:schemeClr val="accent1"/>
+              </a:fillRef>
+              <a:effectRef idx="0">
+                <a:schemeClr val="accent1"/>
+              </a:effectRef>
+              <a:fontRef idx="minor">
+                <a:schemeClr val="lt1"/>
+              </a:fontRef>
+            </p:style>
+            <p:txBody>
+              <a:bodyPr rtlCol="0" anchor="ctr"/>
+              <a:lstStyle/>
+              <a:p>
+                <a:pPr algn="ctr"/>
+                <a:endParaRPr lang="en-US" dirty="0"/>
+              </a:p>
+            </p:txBody>
+          </p:sp>
+        </p:grpSp>
+        <p:grpSp>
+          <p:nvGrpSpPr>
+            <p:cNvPr id="102" name="Group 101"/>
+            <p:cNvGrpSpPr/>
+            <p:nvPr/>
+          </p:nvGrpSpPr>
+          <p:grpSpPr>
+            <a:xfrm>
+              <a:off x="7281102" y="3162418"/>
+              <a:ext cx="1137403" cy="154118"/>
+              <a:chOff x="7377947" y="3071446"/>
+              <a:chExt cx="1137403" cy="154118"/>
+            </a:xfrm>
+          </p:grpSpPr>
+          <p:sp>
+            <p:nvSpPr>
+              <p:cNvPr id="85" name="Rectangle 84"/>
+              <p:cNvSpPr/>
+              <p:nvPr/>
+            </p:nvSpPr>
+            <p:spPr>
+              <a:xfrm>
+                <a:off x="7377947" y="3071446"/>
+                <a:ext cx="104265" cy="154118"/>
+              </a:xfrm>
+              <a:prstGeom prst="rect">
+                <a:avLst/>
+              </a:prstGeom>
+              <a:solidFill>
+                <a:srgbClr val="FF0000"/>
+              </a:solidFill>
+            </p:spPr>
+            <p:style>
+              <a:lnRef idx="2">
+                <a:schemeClr val="accent1">
+                  <a:shade val="50000"/>
+                </a:schemeClr>
+              </a:lnRef>
+              <a:fillRef idx="1">
+                <a:schemeClr val="accent1"/>
+              </a:fillRef>
+              <a:effectRef idx="0">
+                <a:schemeClr val="accent1"/>
+              </a:effectRef>
+              <a:fontRef idx="minor">
+                <a:schemeClr val="lt1"/>
+              </a:fontRef>
+            </p:style>
+            <p:txBody>
+              <a:bodyPr rtlCol="0" anchor="ctr"/>
+              <a:lstStyle/>
+              <a:p>
+                <a:pPr algn="ctr"/>
+                <a:r>
+                  <a:rPr lang="en-US" dirty="0" smtClean="0"/>
+                  <a:t>0</a:t>
+                </a:r>
+                <a:endParaRPr lang="en-US" dirty="0"/>
+              </a:p>
+            </p:txBody>
+          </p:sp>
+          <p:sp>
+            <p:nvSpPr>
+              <p:cNvPr id="86" name="Rectangle 85"/>
+              <p:cNvSpPr/>
+              <p:nvPr/>
+            </p:nvSpPr>
+            <p:spPr>
+              <a:xfrm>
+                <a:off x="7482212" y="3071446"/>
+                <a:ext cx="104265" cy="154118"/>
+              </a:xfrm>
+              <a:prstGeom prst="rect">
+                <a:avLst/>
+              </a:prstGeom>
+              <a:solidFill>
+                <a:schemeClr val="accent6">
+                  <a:lumMod val="75000"/>
+                </a:schemeClr>
+              </a:solidFill>
+            </p:spPr>
+            <p:style>
+              <a:lnRef idx="2">
+                <a:schemeClr val="accent1">
+                  <a:shade val="50000"/>
+                </a:schemeClr>
+              </a:lnRef>
+              <a:fillRef idx="1">
+                <a:schemeClr val="accent1"/>
+              </a:fillRef>
+              <a:effectRef idx="0">
+                <a:schemeClr val="accent1"/>
+              </a:effectRef>
+              <a:fontRef idx="minor">
+                <a:schemeClr val="lt1"/>
+              </a:fontRef>
+            </p:style>
+            <p:txBody>
+              <a:bodyPr rtlCol="0" anchor="ctr"/>
+              <a:lstStyle/>
+              <a:p>
+                <a:pPr algn="ctr"/>
+                <a:r>
+                  <a:rPr lang="en-US" dirty="0" smtClean="0"/>
+                  <a:t>1</a:t>
+                </a:r>
+                <a:endParaRPr lang="en-US" dirty="0"/>
+              </a:p>
+            </p:txBody>
+          </p:sp>
+          <p:sp>
+            <p:nvSpPr>
+              <p:cNvPr id="87" name="Rectangle 86"/>
+              <p:cNvSpPr/>
+              <p:nvPr/>
+            </p:nvSpPr>
+            <p:spPr>
+              <a:xfrm>
+                <a:off x="7586477" y="3071446"/>
+                <a:ext cx="104265" cy="154118"/>
+              </a:xfrm>
+              <a:prstGeom prst="rect">
+                <a:avLst/>
+              </a:prstGeom>
+              <a:solidFill>
+                <a:srgbClr val="FF0000"/>
+              </a:solidFill>
+            </p:spPr>
+            <p:style>
+              <a:lnRef idx="2">
+                <a:schemeClr val="accent1">
+                  <a:shade val="50000"/>
+                </a:schemeClr>
+              </a:lnRef>
+              <a:fillRef idx="1">
+                <a:schemeClr val="accent1"/>
+              </a:fillRef>
+              <a:effectRef idx="0">
+                <a:schemeClr val="accent1"/>
+              </a:effectRef>
+              <a:fontRef idx="minor">
+                <a:schemeClr val="lt1"/>
+              </a:fontRef>
+            </p:style>
+            <p:txBody>
+              <a:bodyPr rtlCol="0" anchor="ctr"/>
+              <a:lstStyle/>
+              <a:p>
+                <a:pPr algn="ctr"/>
+                <a:r>
+                  <a:rPr lang="en-US" dirty="0" smtClean="0"/>
+                  <a:t>0</a:t>
+                </a:r>
+                <a:endParaRPr lang="en-US" dirty="0"/>
+              </a:p>
+            </p:txBody>
+          </p:sp>
+          <p:sp>
+            <p:nvSpPr>
+              <p:cNvPr id="88" name="Rectangle 87"/>
+              <p:cNvSpPr/>
+              <p:nvPr/>
+            </p:nvSpPr>
+            <p:spPr>
+              <a:xfrm>
+                <a:off x="7690742" y="3071446"/>
+                <a:ext cx="104265" cy="154118"/>
+              </a:xfrm>
+              <a:prstGeom prst="rect">
+                <a:avLst/>
+              </a:prstGeom>
+              <a:solidFill>
+                <a:schemeClr val="accent6">
+                  <a:lumMod val="75000"/>
+                </a:schemeClr>
+              </a:solidFill>
+            </p:spPr>
+            <p:style>
+              <a:lnRef idx="2">
+                <a:schemeClr val="accent1">
+                  <a:shade val="50000"/>
+                </a:schemeClr>
+              </a:lnRef>
+              <a:fillRef idx="1">
+                <a:schemeClr val="accent1"/>
+              </a:fillRef>
+              <a:effectRef idx="0">
+                <a:schemeClr val="accent1"/>
+              </a:effectRef>
+              <a:fontRef idx="minor">
+                <a:schemeClr val="lt1"/>
+              </a:fontRef>
+            </p:style>
+            <p:txBody>
+              <a:bodyPr rtlCol="0" anchor="ctr"/>
+              <a:lstStyle/>
+              <a:p>
+                <a:pPr algn="ctr"/>
+                <a:r>
+                  <a:rPr lang="en-US" dirty="0" smtClean="0"/>
+                  <a:t>1</a:t>
+                </a:r>
+                <a:endParaRPr lang="en-US" dirty="0"/>
+              </a:p>
+            </p:txBody>
+          </p:sp>
+          <p:sp>
+            <p:nvSpPr>
+              <p:cNvPr id="97" name="Rectangle 96"/>
+              <p:cNvSpPr/>
+              <p:nvPr/>
+            </p:nvSpPr>
+            <p:spPr>
+              <a:xfrm>
+                <a:off x="7795007" y="3071446"/>
+                <a:ext cx="720343" cy="154118"/>
+              </a:xfrm>
+              <a:prstGeom prst="rect">
+                <a:avLst/>
+              </a:prstGeom>
+              <a:solidFill>
+                <a:schemeClr val="bg1"/>
+              </a:solidFill>
+            </p:spPr>
+            <p:style>
+              <a:lnRef idx="2">
+                <a:schemeClr val="accent1">
+                  <a:shade val="50000"/>
+                </a:schemeClr>
+              </a:lnRef>
+              <a:fillRef idx="1">
+                <a:schemeClr val="accent1"/>
+              </a:fillRef>
+              <a:effectRef idx="0">
+                <a:schemeClr val="accent1"/>
+              </a:effectRef>
+              <a:fontRef idx="minor">
+                <a:schemeClr val="lt1"/>
+              </a:fontRef>
+            </p:style>
+            <p:txBody>
+              <a:bodyPr rtlCol="0" anchor="ctr"/>
+              <a:lstStyle/>
+              <a:p>
+                <a:pPr algn="ctr"/>
+                <a:endParaRPr lang="en-US" dirty="0"/>
+              </a:p>
+            </p:txBody>
+          </p:sp>
+        </p:grpSp>
+        <p:grpSp>
+          <p:nvGrpSpPr>
+            <p:cNvPr id="101" name="Group 100"/>
+            <p:cNvGrpSpPr/>
+            <p:nvPr/>
+          </p:nvGrpSpPr>
+          <p:grpSpPr>
+            <a:xfrm>
+              <a:off x="7281102" y="2393182"/>
+              <a:ext cx="1137403" cy="154118"/>
+              <a:chOff x="7377947" y="2302249"/>
+              <a:chExt cx="1137403" cy="154118"/>
+            </a:xfrm>
+          </p:grpSpPr>
+          <p:sp>
+            <p:nvSpPr>
+              <p:cNvPr id="83" name="Rectangle 82"/>
+              <p:cNvSpPr/>
+              <p:nvPr/>
+            </p:nvSpPr>
+            <p:spPr>
+              <a:xfrm>
+                <a:off x="7377947" y="2302249"/>
+                <a:ext cx="104265" cy="154118"/>
+              </a:xfrm>
+              <a:prstGeom prst="rect">
+                <a:avLst/>
+              </a:prstGeom>
+              <a:solidFill>
+                <a:srgbClr val="FF0000"/>
+              </a:solidFill>
+            </p:spPr>
+            <p:style>
+              <a:lnRef idx="2">
+                <a:schemeClr val="accent1">
+                  <a:shade val="50000"/>
+                </a:schemeClr>
+              </a:lnRef>
+              <a:fillRef idx="1">
+                <a:schemeClr val="accent1"/>
+              </a:fillRef>
+              <a:effectRef idx="0">
+                <a:schemeClr val="accent1"/>
+              </a:effectRef>
+              <a:fontRef idx="minor">
+                <a:schemeClr val="lt1"/>
+              </a:fontRef>
+            </p:style>
+            <p:txBody>
+              <a:bodyPr rtlCol="0" anchor="ctr"/>
+              <a:lstStyle/>
+              <a:p>
+                <a:pPr algn="ctr"/>
+                <a:r>
+                  <a:rPr lang="en-US" dirty="0" smtClean="0"/>
+                  <a:t>0</a:t>
+                </a:r>
+                <a:endParaRPr lang="en-US" dirty="0"/>
+              </a:p>
+            </p:txBody>
+          </p:sp>
+          <p:sp>
+            <p:nvSpPr>
+              <p:cNvPr id="84" name="Rectangle 83"/>
+              <p:cNvSpPr/>
+              <p:nvPr/>
+            </p:nvSpPr>
+            <p:spPr>
+              <a:xfrm>
+                <a:off x="7482212" y="2302249"/>
+                <a:ext cx="104265" cy="154118"/>
+              </a:xfrm>
+              <a:prstGeom prst="rect">
+                <a:avLst/>
+              </a:prstGeom>
+              <a:solidFill>
+                <a:srgbClr val="FF0000"/>
+              </a:solidFill>
+            </p:spPr>
+            <p:style>
+              <a:lnRef idx="2">
+                <a:schemeClr val="accent1">
+                  <a:shade val="50000"/>
+                </a:schemeClr>
+              </a:lnRef>
+              <a:fillRef idx="1">
+                <a:schemeClr val="accent1"/>
+              </a:fillRef>
+              <a:effectRef idx="0">
+                <a:schemeClr val="accent1"/>
+              </a:effectRef>
+              <a:fontRef idx="minor">
+                <a:schemeClr val="lt1"/>
+              </a:fontRef>
+            </p:style>
+            <p:txBody>
+              <a:bodyPr rtlCol="0" anchor="ctr"/>
+              <a:lstStyle/>
+              <a:p>
+                <a:pPr algn="ctr"/>
+                <a:r>
+                  <a:rPr lang="en-US" dirty="0" smtClean="0"/>
+                  <a:t>0</a:t>
+                </a:r>
+                <a:endParaRPr lang="en-US" dirty="0"/>
+              </a:p>
+            </p:txBody>
+          </p:sp>
+          <p:sp>
+            <p:nvSpPr>
+              <p:cNvPr id="98" name="Rectangle 97"/>
+              <p:cNvSpPr/>
+              <p:nvPr/>
+            </p:nvSpPr>
+            <p:spPr>
+              <a:xfrm>
+                <a:off x="7586477" y="2302249"/>
+                <a:ext cx="928873" cy="154118"/>
+              </a:xfrm>
+              <a:prstGeom prst="rect">
+                <a:avLst/>
+              </a:prstGeom>
+              <a:solidFill>
+                <a:schemeClr val="bg1"/>
+              </a:solidFill>
+            </p:spPr>
+            <p:style>
+              <a:lnRef idx="2">
+                <a:schemeClr val="accent1">
+                  <a:shade val="50000"/>
+                </a:schemeClr>
+              </a:lnRef>
+              <a:fillRef idx="1">
+                <a:schemeClr val="accent1"/>
+              </a:fillRef>
+              <a:effectRef idx="0">
+                <a:schemeClr val="accent1"/>
+              </a:effectRef>
+              <a:fontRef idx="minor">
+                <a:schemeClr val="lt1"/>
+              </a:fontRef>
+            </p:style>
+            <p:txBody>
+              <a:bodyPr rtlCol="0" anchor="ctr"/>
+              <a:lstStyle/>
+              <a:p>
+                <a:pPr algn="ctr"/>
+                <a:endParaRPr lang="en-US" dirty="0"/>
+              </a:p>
+            </p:txBody>
+          </p:sp>
+        </p:grpSp>
+        <p:grpSp>
+          <p:nvGrpSpPr>
+            <p:cNvPr id="100" name="Group 99"/>
+            <p:cNvGrpSpPr/>
+            <p:nvPr/>
+          </p:nvGrpSpPr>
+          <p:grpSpPr>
+            <a:xfrm>
+              <a:off x="7281102" y="1555450"/>
+              <a:ext cx="1137403" cy="154118"/>
+              <a:chOff x="7377947" y="1456012"/>
+              <a:chExt cx="1137403" cy="154118"/>
+            </a:xfrm>
+          </p:grpSpPr>
+          <p:sp>
+            <p:nvSpPr>
+              <p:cNvPr id="79" name="Rectangle 78"/>
+              <p:cNvSpPr/>
+              <p:nvPr/>
+            </p:nvSpPr>
+            <p:spPr>
+              <a:xfrm>
+                <a:off x="7377947" y="1456012"/>
+                <a:ext cx="104265" cy="154118"/>
+              </a:xfrm>
+              <a:prstGeom prst="rect">
+                <a:avLst/>
+              </a:prstGeom>
+              <a:solidFill>
+                <a:srgbClr val="FF0000"/>
+              </a:solidFill>
+            </p:spPr>
+            <p:style>
+              <a:lnRef idx="2">
+                <a:schemeClr val="accent1">
+                  <a:shade val="50000"/>
+                </a:schemeClr>
+              </a:lnRef>
+              <a:fillRef idx="1">
+                <a:schemeClr val="accent1"/>
+              </a:fillRef>
+              <a:effectRef idx="0">
+                <a:schemeClr val="accent1"/>
+              </a:effectRef>
+              <a:fontRef idx="minor">
+                <a:schemeClr val="lt1"/>
+              </a:fontRef>
+            </p:style>
+            <p:txBody>
+              <a:bodyPr rtlCol="0" anchor="ctr"/>
+              <a:lstStyle/>
+              <a:p>
+                <a:pPr algn="ctr"/>
+                <a:r>
+                  <a:rPr lang="en-US" dirty="0" smtClean="0"/>
+                  <a:t>0</a:t>
+                </a:r>
+                <a:endParaRPr lang="en-US" dirty="0"/>
+              </a:p>
+            </p:txBody>
+          </p:sp>
+          <p:sp>
+            <p:nvSpPr>
+              <p:cNvPr id="80" name="Rectangle 79"/>
+              <p:cNvSpPr/>
+              <p:nvPr/>
+            </p:nvSpPr>
+            <p:spPr>
+              <a:xfrm>
+                <a:off x="7482212" y="1456012"/>
+                <a:ext cx="104265" cy="154118"/>
+              </a:xfrm>
+              <a:prstGeom prst="rect">
+                <a:avLst/>
+              </a:prstGeom>
+              <a:solidFill>
+                <a:schemeClr val="accent6">
+                  <a:lumMod val="75000"/>
+                </a:schemeClr>
+              </a:solidFill>
+            </p:spPr>
+            <p:style>
+              <a:lnRef idx="2">
+                <a:schemeClr val="accent1">
+                  <a:shade val="50000"/>
+                </a:schemeClr>
+              </a:lnRef>
+              <a:fillRef idx="1">
+                <a:schemeClr val="accent1"/>
+              </a:fillRef>
+              <a:effectRef idx="0">
+                <a:schemeClr val="accent1"/>
+              </a:effectRef>
+              <a:fontRef idx="minor">
+                <a:schemeClr val="lt1"/>
+              </a:fontRef>
+            </p:style>
+            <p:txBody>
+              <a:bodyPr rtlCol="0" anchor="ctr"/>
+              <a:lstStyle/>
+              <a:p>
+                <a:pPr algn="ctr"/>
+                <a:r>
+                  <a:rPr lang="en-US" dirty="0" smtClean="0"/>
+                  <a:t>1</a:t>
+                </a:r>
+                <a:endParaRPr lang="en-US" dirty="0"/>
+              </a:p>
+            </p:txBody>
+          </p:sp>
+          <p:sp>
+            <p:nvSpPr>
+              <p:cNvPr id="81" name="Rectangle 80"/>
+              <p:cNvSpPr/>
+              <p:nvPr/>
+            </p:nvSpPr>
+            <p:spPr>
+              <a:xfrm>
+                <a:off x="7586477" y="1456012"/>
+                <a:ext cx="104265" cy="154118"/>
+              </a:xfrm>
+              <a:prstGeom prst="rect">
+                <a:avLst/>
+              </a:prstGeom>
+              <a:solidFill>
+                <a:schemeClr val="accent6">
+                  <a:lumMod val="75000"/>
+                </a:schemeClr>
+              </a:solidFill>
+            </p:spPr>
+            <p:style>
+              <a:lnRef idx="2">
+                <a:schemeClr val="accent1">
+                  <a:shade val="50000"/>
+                </a:schemeClr>
+              </a:lnRef>
+              <a:fillRef idx="1">
+                <a:schemeClr val="accent1"/>
+              </a:fillRef>
+              <a:effectRef idx="0">
+                <a:schemeClr val="accent1"/>
+              </a:effectRef>
+              <a:fontRef idx="minor">
+                <a:schemeClr val="lt1"/>
+              </a:fontRef>
+            </p:style>
+            <p:txBody>
+              <a:bodyPr rtlCol="0" anchor="ctr"/>
+              <a:lstStyle/>
+              <a:p>
+                <a:pPr algn="ctr"/>
+                <a:r>
+                  <a:rPr lang="en-US" dirty="0" smtClean="0"/>
+                  <a:t>1</a:t>
+                </a:r>
+                <a:endParaRPr lang="en-US" dirty="0"/>
+              </a:p>
+            </p:txBody>
+          </p:sp>
+          <p:sp>
+            <p:nvSpPr>
+              <p:cNvPr id="99" name="Rectangle 98"/>
+              <p:cNvSpPr/>
+              <p:nvPr/>
+            </p:nvSpPr>
+            <p:spPr>
+              <a:xfrm>
+                <a:off x="7690742" y="1456012"/>
+                <a:ext cx="824608" cy="154118"/>
+              </a:xfrm>
+              <a:prstGeom prst="rect">
+                <a:avLst/>
+              </a:prstGeom>
+              <a:solidFill>
+                <a:schemeClr val="bg1"/>
+              </a:solidFill>
+            </p:spPr>
+            <p:style>
+              <a:lnRef idx="2">
+                <a:schemeClr val="accent1">
+                  <a:shade val="50000"/>
+                </a:schemeClr>
+              </a:lnRef>
+              <a:fillRef idx="1">
+                <a:schemeClr val="accent1"/>
+              </a:fillRef>
+              <a:effectRef idx="0">
+                <a:schemeClr val="accent1"/>
+              </a:effectRef>
+              <a:fontRef idx="minor">
+                <a:schemeClr val="lt1"/>
+              </a:fontRef>
+            </p:style>
+            <p:txBody>
+              <a:bodyPr rtlCol="0" anchor="ctr"/>
+              <a:lstStyle/>
+              <a:p>
+                <a:pPr algn="ctr"/>
+                <a:endParaRPr lang="en-US" dirty="0"/>
+              </a:p>
+            </p:txBody>
+          </p:sp>
+        </p:grpSp>
+      </p:grpSp>
+      <p:sp>
+        <p:nvSpPr>
+          <p:cNvPr id="105" name="TextBox 104"/>
+          <p:cNvSpPr txBox="1"/>
+          <p:nvPr/>
+        </p:nvSpPr>
+        <p:spPr>
+          <a:xfrm>
+            <a:off x="792316" y="2245167"/>
+            <a:ext cx="975041" cy="738664"/>
+          </a:xfrm>
+          <a:prstGeom prst="rect">
+            <a:avLst/>
+          </a:prstGeom>
+          <a:noFill/>
+        </p:spPr>
+        <p:txBody>
+          <a:bodyPr wrap="square" rtlCol="0">
+            <a:spAutoFit/>
+          </a:bodyPr>
+          <a:lstStyle/>
+          <a:p>
+            <a:r>
+              <a:rPr lang="en-US" sz="1400" dirty="0" smtClean="0"/>
+              <a:t>Multilevel</a:t>
+            </a:r>
+          </a:p>
+          <a:p>
+            <a:r>
+              <a:rPr lang="en-US" sz="1400" dirty="0" smtClean="0"/>
+              <a:t>Free</a:t>
+            </a:r>
+          </a:p>
+          <a:p>
+            <a:r>
+              <a:rPr lang="en-US" sz="1400" dirty="0" smtClean="0"/>
+              <a:t>Linked-List</a:t>
+            </a:r>
+            <a:endParaRPr lang="en-US" sz="1400" dirty="0"/>
+          </a:p>
+        </p:txBody>
+      </p:sp>
+      <p:sp>
+        <p:nvSpPr>
+          <p:cNvPr id="108" name="TextBox 107"/>
+          <p:cNvSpPr txBox="1"/>
+          <p:nvPr/>
+        </p:nvSpPr>
+        <p:spPr>
+          <a:xfrm>
+            <a:off x="8418505" y="2245167"/>
+            <a:ext cx="975041" cy="738664"/>
+          </a:xfrm>
+          <a:prstGeom prst="rect">
+            <a:avLst/>
+          </a:prstGeom>
+          <a:noFill/>
+        </p:spPr>
+        <p:txBody>
+          <a:bodyPr wrap="square" rtlCol="0">
+            <a:spAutoFit/>
+          </a:bodyPr>
+          <a:lstStyle/>
+          <a:p>
+            <a:r>
+              <a:rPr lang="en-US" sz="1400" dirty="0" smtClean="0"/>
+              <a:t>Multilevel</a:t>
+            </a:r>
+          </a:p>
+          <a:p>
+            <a:r>
+              <a:rPr lang="en-US" sz="1400" dirty="0" smtClean="0"/>
+              <a:t>Free</a:t>
+            </a:r>
+          </a:p>
+          <a:p>
+            <a:r>
+              <a:rPr lang="en-US" sz="1400" dirty="0" smtClean="0"/>
+              <a:t>Bitmap</a:t>
+            </a:r>
+            <a:endParaRPr lang="en-US" sz="1400" dirty="0"/>
+          </a:p>
+        </p:txBody>
+      </p:sp>
+      <p:sp>
+        <p:nvSpPr>
+          <p:cNvPr id="34" name="Rectangle 33"/>
+          <p:cNvSpPr/>
+          <p:nvPr/>
+        </p:nvSpPr>
+        <p:spPr>
+          <a:xfrm>
+            <a:off x="1827274" y="1463104"/>
+            <a:ext cx="333528" cy="328970"/>
+          </a:xfrm>
+          <a:prstGeom prst="rect">
+            <a:avLst/>
+          </a:prstGeom>
+          <a:solidFill>
+            <a:srgbClr val="92D050"/>
+          </a:solidFill>
+        </p:spPr>
+        <p:style>
+          <a:lnRef idx="2">
+            <a:schemeClr val="accent1">
+              <a:shade val="50000"/>
+            </a:schemeClr>
+          </a:lnRef>
+          <a:fillRef idx="1">
+            <a:schemeClr val="accent1"/>
+          </a:fillRef>
+          <a:effectRef idx="0">
+            <a:schemeClr val="accent1"/>
+          </a:effectRef>
+          <a:fontRef idx="minor">
+            <a:schemeClr val="lt1"/>
+          </a:fontRef>
+        </p:style>
+        <p:txBody>
+          <a:bodyPr rtlCol="0" anchor="ctr"/>
+          <a:lstStyle/>
+          <a:p>
+            <a:pPr algn="ctr"/>
+            <a:r>
+              <a:rPr lang="en-US" dirty="0" smtClean="0"/>
+              <a:t>0</a:t>
+            </a:r>
+            <a:endParaRPr lang="en-US" dirty="0"/>
+          </a:p>
+        </p:txBody>
+      </p:sp>
+      <p:sp>
+        <p:nvSpPr>
+          <p:cNvPr id="35" name="Rectangle 34"/>
+          <p:cNvSpPr/>
+          <p:nvPr/>
+        </p:nvSpPr>
+        <p:spPr>
+          <a:xfrm>
+            <a:off x="1827274" y="1792074"/>
+            <a:ext cx="333528" cy="328970"/>
+          </a:xfrm>
+          <a:prstGeom prst="rect">
+            <a:avLst/>
+          </a:prstGeom>
+          <a:solidFill>
+            <a:srgbClr val="92D050"/>
+          </a:solidFill>
+        </p:spPr>
+        <p:style>
+          <a:lnRef idx="2">
+            <a:schemeClr val="accent1">
+              <a:shade val="50000"/>
+            </a:schemeClr>
+          </a:lnRef>
+          <a:fillRef idx="1">
+            <a:schemeClr val="accent1"/>
+          </a:fillRef>
+          <a:effectRef idx="0">
+            <a:schemeClr val="accent1"/>
+          </a:effectRef>
+          <a:fontRef idx="minor">
+            <a:schemeClr val="lt1"/>
+          </a:fontRef>
+        </p:style>
+        <p:txBody>
+          <a:bodyPr rtlCol="0" anchor="ctr"/>
+          <a:lstStyle/>
+          <a:p>
+            <a:pPr algn="ctr"/>
+            <a:r>
+              <a:rPr lang="en-US" dirty="0" smtClean="0"/>
+              <a:t>1</a:t>
+            </a:r>
+            <a:endParaRPr lang="en-US" dirty="0"/>
+          </a:p>
+        </p:txBody>
+      </p:sp>
+      <p:sp>
+        <p:nvSpPr>
+          <p:cNvPr id="36" name="Rectangle 35"/>
+          <p:cNvSpPr/>
+          <p:nvPr/>
+        </p:nvSpPr>
+        <p:spPr>
+          <a:xfrm>
+            <a:off x="1827274" y="2121044"/>
+            <a:ext cx="333528" cy="328970"/>
+          </a:xfrm>
+          <a:prstGeom prst="rect">
+            <a:avLst/>
+          </a:prstGeom>
+          <a:solidFill>
+            <a:srgbClr val="92D050"/>
+          </a:solidFill>
+        </p:spPr>
+        <p:style>
+          <a:lnRef idx="2">
+            <a:schemeClr val="accent1">
+              <a:shade val="50000"/>
+            </a:schemeClr>
+          </a:lnRef>
+          <a:fillRef idx="1">
+            <a:schemeClr val="accent1"/>
+          </a:fillRef>
+          <a:effectRef idx="0">
+            <a:schemeClr val="accent1"/>
+          </a:effectRef>
+          <a:fontRef idx="minor">
+            <a:schemeClr val="lt1"/>
+          </a:fontRef>
+        </p:style>
+        <p:txBody>
+          <a:bodyPr rtlCol="0" anchor="ctr"/>
+          <a:lstStyle/>
+          <a:p>
+            <a:pPr algn="ctr"/>
+            <a:r>
+              <a:rPr lang="en-US" dirty="0"/>
+              <a:t>2</a:t>
+            </a:r>
+          </a:p>
+        </p:txBody>
+      </p:sp>
+      <p:sp>
+        <p:nvSpPr>
+          <p:cNvPr id="37" name="Rectangle 36"/>
+          <p:cNvSpPr/>
+          <p:nvPr/>
+        </p:nvSpPr>
+        <p:spPr>
+          <a:xfrm>
+            <a:off x="1827274" y="2450014"/>
+            <a:ext cx="333528" cy="328970"/>
+          </a:xfrm>
+          <a:prstGeom prst="rect">
+            <a:avLst/>
+          </a:prstGeom>
+          <a:solidFill>
+            <a:srgbClr val="92D050"/>
+          </a:solidFill>
+        </p:spPr>
+        <p:style>
+          <a:lnRef idx="2">
+            <a:schemeClr val="accent1">
+              <a:shade val="50000"/>
+            </a:schemeClr>
+          </a:lnRef>
+          <a:fillRef idx="1">
+            <a:schemeClr val="accent1"/>
+          </a:fillRef>
+          <a:effectRef idx="0">
+            <a:schemeClr val="accent1"/>
+          </a:effectRef>
+          <a:fontRef idx="minor">
+            <a:schemeClr val="lt1"/>
+          </a:fontRef>
+        </p:style>
+        <p:txBody>
+          <a:bodyPr rtlCol="0" anchor="ctr"/>
+          <a:lstStyle/>
+          <a:p>
+            <a:pPr algn="ctr"/>
+            <a:r>
+              <a:rPr lang="en-US" dirty="0"/>
+              <a:t>3</a:t>
+            </a:r>
+          </a:p>
+        </p:txBody>
+      </p:sp>
+      <p:sp>
+        <p:nvSpPr>
+          <p:cNvPr id="40" name="Rectangle 39"/>
+          <p:cNvSpPr/>
+          <p:nvPr/>
+        </p:nvSpPr>
+        <p:spPr>
+          <a:xfrm>
+            <a:off x="1827273" y="3112601"/>
+            <a:ext cx="335526" cy="513059"/>
+          </a:xfrm>
+          <a:prstGeom prst="rect">
+            <a:avLst/>
+          </a:prstGeom>
+          <a:solidFill>
+            <a:srgbClr val="92D050"/>
+          </a:solidFill>
+          <a:ln>
+            <a:prstDash val="sysDot"/>
+          </a:ln>
+        </p:spPr>
+        <p:style>
+          <a:lnRef idx="2">
+            <a:schemeClr val="accent1">
+              <a:shade val="50000"/>
+            </a:schemeClr>
+          </a:lnRef>
+          <a:fillRef idx="1">
+            <a:schemeClr val="accent1"/>
+          </a:fillRef>
+          <a:effectRef idx="0">
+            <a:schemeClr val="accent1"/>
+          </a:effectRef>
+          <a:fontRef idx="minor">
+            <a:schemeClr val="lt1"/>
+          </a:fontRef>
+        </p:style>
+        <p:txBody>
+          <a:bodyPr rtlCol="0" anchor="ctr"/>
+          <a:lstStyle/>
+          <a:p>
+            <a:pPr algn="ctr"/>
+            <a:endParaRPr lang="en-US" dirty="0"/>
+          </a:p>
+        </p:txBody>
+      </p:sp>
+      <p:sp>
+        <p:nvSpPr>
+          <p:cNvPr id="109" name="Rectangle 108"/>
+          <p:cNvSpPr/>
+          <p:nvPr/>
+        </p:nvSpPr>
+        <p:spPr>
+          <a:xfrm>
+            <a:off x="1829271" y="2781018"/>
+            <a:ext cx="333528" cy="328970"/>
+          </a:xfrm>
+          <a:prstGeom prst="rect">
+            <a:avLst/>
+          </a:prstGeom>
+          <a:solidFill>
+            <a:srgbClr val="92D050"/>
+          </a:solidFill>
+        </p:spPr>
+        <p:style>
+          <a:lnRef idx="2">
+            <a:schemeClr val="accent1">
+              <a:shade val="50000"/>
+            </a:schemeClr>
+          </a:lnRef>
+          <a:fillRef idx="1">
+            <a:schemeClr val="accent1"/>
+          </a:fillRef>
+          <a:effectRef idx="0">
+            <a:schemeClr val="accent1"/>
+          </a:effectRef>
+          <a:fontRef idx="minor">
+            <a:schemeClr val="lt1"/>
+          </a:fontRef>
+        </p:style>
+        <p:txBody>
+          <a:bodyPr rtlCol="0" anchor="ctr"/>
+          <a:lstStyle/>
+          <a:p>
+            <a:pPr algn="ctr"/>
+            <a:r>
+              <a:rPr lang="en-US" dirty="0" smtClean="0"/>
+              <a:t>4</a:t>
+            </a:r>
+            <a:endParaRPr lang="en-US" dirty="0"/>
+          </a:p>
+        </p:txBody>
+      </p:sp>
+      <p:sp>
+        <p:nvSpPr>
+          <p:cNvPr id="110" name="Rectangle 109"/>
+          <p:cNvSpPr/>
+          <p:nvPr/>
+        </p:nvSpPr>
+        <p:spPr>
+          <a:xfrm>
+            <a:off x="1827272" y="3625660"/>
+            <a:ext cx="333529" cy="328970"/>
+          </a:xfrm>
+          <a:prstGeom prst="rect">
+            <a:avLst/>
+          </a:prstGeom>
+          <a:solidFill>
+            <a:srgbClr val="92D050"/>
+          </a:solidFill>
+        </p:spPr>
+        <p:style>
+          <a:lnRef idx="2">
+            <a:schemeClr val="accent1">
+              <a:shade val="50000"/>
+            </a:schemeClr>
+          </a:lnRef>
+          <a:fillRef idx="1">
+            <a:schemeClr val="accent1"/>
+          </a:fillRef>
+          <a:effectRef idx="0">
+            <a:schemeClr val="accent1"/>
+          </a:effectRef>
+          <a:fontRef idx="minor">
+            <a:schemeClr val="lt1"/>
+          </a:fontRef>
+        </p:style>
+        <p:txBody>
+          <a:bodyPr rtlCol="0" anchor="ctr"/>
+          <a:lstStyle/>
+          <a:p>
+            <a:pPr algn="ctr"/>
+            <a:r>
+              <a:rPr lang="en-US" altLang="zh-CN" dirty="0" smtClean="0"/>
+              <a:t>n</a:t>
+            </a:r>
+            <a:endParaRPr lang="en-US" dirty="0"/>
+          </a:p>
+        </p:txBody>
+      </p:sp>
+    </p:spTree>
+    <p:extLst>
+      <p:ext uri="{BB962C8B-B14F-4D97-AF65-F5344CB8AC3E}">
+        <p14:creationId xmlns:p14="http://schemas.microsoft.com/office/powerpoint/2010/main" val="127404474"/>
+      </p:ext>
+    </p:extLst>
+  </p:cSld>
+  <p:clrMapOvr>
+    <a:masterClrMapping/>
+  </p:clrMapOvr>
+</p:sld>
+</file>
+
 <file path=ppt/theme/theme1.xml><?xml version="1.0" encoding="utf-8"?>
 <a:theme xmlns:a="http://schemas.openxmlformats.org/drawingml/2006/main" name="Office Theme">
   <a:themeElements>

--- a/Paper for Buddy Memory Allocation/fig.pptx
+++ b/Paper for Buddy Memory Allocation/fig.pptx
@@ -245,7 +245,7 @@
           <a:p>
             <a:fld id="{F1DEC1FD-F1E0-407C-AC5C-D83409521057}" type="datetimeFigureOut">
               <a:rPr lang="en-US" smtClean="0"/>
-              <a:t>4/10/2019</a:t>
+              <a:t>4/11/2019</a:t>
             </a:fld>
             <a:endParaRPr lang="en-US"/>
           </a:p>
@@ -415,7 +415,7 @@
           <a:p>
             <a:fld id="{F1DEC1FD-F1E0-407C-AC5C-D83409521057}" type="datetimeFigureOut">
               <a:rPr lang="en-US" smtClean="0"/>
-              <a:t>4/10/2019</a:t>
+              <a:t>4/11/2019</a:t>
             </a:fld>
             <a:endParaRPr lang="en-US"/>
           </a:p>
@@ -595,7 +595,7 @@
           <a:p>
             <a:fld id="{F1DEC1FD-F1E0-407C-AC5C-D83409521057}" type="datetimeFigureOut">
               <a:rPr lang="en-US" smtClean="0"/>
-              <a:t>4/10/2019</a:t>
+              <a:t>4/11/2019</a:t>
             </a:fld>
             <a:endParaRPr lang="en-US"/>
           </a:p>
@@ -765,7 +765,7 @@
           <a:p>
             <a:fld id="{F1DEC1FD-F1E0-407C-AC5C-D83409521057}" type="datetimeFigureOut">
               <a:rPr lang="en-US" smtClean="0"/>
-              <a:t>4/10/2019</a:t>
+              <a:t>4/11/2019</a:t>
             </a:fld>
             <a:endParaRPr lang="en-US"/>
           </a:p>
@@ -1011,7 +1011,7 @@
           <a:p>
             <a:fld id="{F1DEC1FD-F1E0-407C-AC5C-D83409521057}" type="datetimeFigureOut">
               <a:rPr lang="en-US" smtClean="0"/>
-              <a:t>4/10/2019</a:t>
+              <a:t>4/11/2019</a:t>
             </a:fld>
             <a:endParaRPr lang="en-US"/>
           </a:p>
@@ -1243,7 +1243,7 @@
           <a:p>
             <a:fld id="{F1DEC1FD-F1E0-407C-AC5C-D83409521057}" type="datetimeFigureOut">
               <a:rPr lang="en-US" smtClean="0"/>
-              <a:t>4/10/2019</a:t>
+              <a:t>4/11/2019</a:t>
             </a:fld>
             <a:endParaRPr lang="en-US"/>
           </a:p>
@@ -1610,7 +1610,7 @@
           <a:p>
             <a:fld id="{F1DEC1FD-F1E0-407C-AC5C-D83409521057}" type="datetimeFigureOut">
               <a:rPr lang="en-US" smtClean="0"/>
-              <a:t>4/10/2019</a:t>
+              <a:t>4/11/2019</a:t>
             </a:fld>
             <a:endParaRPr lang="en-US"/>
           </a:p>
@@ -1728,7 +1728,7 @@
           <a:p>
             <a:fld id="{F1DEC1FD-F1E0-407C-AC5C-D83409521057}" type="datetimeFigureOut">
               <a:rPr lang="en-US" smtClean="0"/>
-              <a:t>4/10/2019</a:t>
+              <a:t>4/11/2019</a:t>
             </a:fld>
             <a:endParaRPr lang="en-US"/>
           </a:p>
@@ -1823,7 +1823,7 @@
           <a:p>
             <a:fld id="{F1DEC1FD-F1E0-407C-AC5C-D83409521057}" type="datetimeFigureOut">
               <a:rPr lang="en-US" smtClean="0"/>
-              <a:t>4/10/2019</a:t>
+              <a:t>4/11/2019</a:t>
             </a:fld>
             <a:endParaRPr lang="en-US"/>
           </a:p>
@@ -2100,7 +2100,7 @@
           <a:p>
             <a:fld id="{F1DEC1FD-F1E0-407C-AC5C-D83409521057}" type="datetimeFigureOut">
               <a:rPr lang="en-US" smtClean="0"/>
-              <a:t>4/10/2019</a:t>
+              <a:t>4/11/2019</a:t>
             </a:fld>
             <a:endParaRPr lang="en-US"/>
           </a:p>
@@ -2353,7 +2353,7 @@
           <a:p>
             <a:fld id="{F1DEC1FD-F1E0-407C-AC5C-D83409521057}" type="datetimeFigureOut">
               <a:rPr lang="en-US" smtClean="0"/>
-              <a:t>4/10/2019</a:t>
+              <a:t>4/11/2019</a:t>
             </a:fld>
             <a:endParaRPr lang="en-US"/>
           </a:p>
@@ -2566,7 +2566,7 @@
           <a:p>
             <a:fld id="{F1DEC1FD-F1E0-407C-AC5C-D83409521057}" type="datetimeFigureOut">
               <a:rPr lang="en-US" smtClean="0"/>
-              <a:t>4/10/2019</a:t>
+              <a:t>4/11/2019</a:t>
             </a:fld>
             <a:endParaRPr lang="en-US"/>
           </a:p>
@@ -3969,8 +3969,9 @@
                 <a:pPr algn="ctr"/>
                 <a:r>
                   <a:rPr lang="en-US" altLang="zh-CN" sz="1100" dirty="0" smtClean="0"/>
-                  <a:t>FREE</a:t>
+                  <a:t>ALLOC</a:t>
                 </a:r>
+                <a:endParaRPr lang="en-US" altLang="zh-CN" sz="1100" dirty="0" smtClean="0"/>
               </a:p>
               <a:p>
                 <a:pPr algn="ctr"/>
